--- a/Presentation/Team_MTU.pptx
+++ b/Presentation/Team_MTU.pptx
@@ -10536,164 +10536,6 @@
           </a:prstGeom>
         </p:spPr>
       </p:pic>
-      <p:pic>
-        <p:nvPicPr>
-          <p:cNvPr id="20" name="Picture 19">
-            <a:extLst>
-              <a:ext uri="{FF2B5EF4-FFF2-40B4-BE49-F238E27FC236}">
-                <a16:creationId xmlns:a16="http://schemas.microsoft.com/office/drawing/2014/main" id="{CA6717CA-F713-7530-242E-554569519865}"/>
-              </a:ext>
-            </a:extLst>
-          </p:cNvPr>
-          <p:cNvPicPr>
-            <a:picLocks noChangeAspect="1"/>
-          </p:cNvPicPr>
-          <p:nvPr/>
-        </p:nvPicPr>
-        <p:blipFill>
-          <a:blip r:embed="rId5"/>
-          <a:stretch>
-            <a:fillRect/>
-          </a:stretch>
-        </p:blipFill>
-        <p:spPr>
-          <a:xfrm>
-            <a:off x="4210200" y="2431440"/>
-            <a:ext cx="347490" cy="416907"/>
-          </a:xfrm>
-          <a:prstGeom prst="rect">
-            <a:avLst/>
-          </a:prstGeom>
-        </p:spPr>
-      </p:pic>
-      <p:pic>
-        <p:nvPicPr>
-          <p:cNvPr id="21" name="Picture 2">
-            <a:extLst>
-              <a:ext uri="{FF2B5EF4-FFF2-40B4-BE49-F238E27FC236}">
-                <a16:creationId xmlns:a16="http://schemas.microsoft.com/office/drawing/2014/main" id="{378349A6-BC68-90FA-D31E-05B479030595}"/>
-              </a:ext>
-            </a:extLst>
-          </p:cNvPr>
-          <p:cNvPicPr>
-            <a:picLocks noChangeAspect="1" noChangeArrowheads="1"/>
-          </p:cNvPicPr>
-          <p:nvPr/>
-        </p:nvPicPr>
-        <p:blipFill>
-          <a:blip r:embed="rId6">
-            <a:extLst>
-              <a:ext uri="{28A0092B-C50C-407E-A947-70E740481C1C}">
-                <a14:useLocalDpi xmlns:a14="http://schemas.microsoft.com/office/drawing/2010/main" val="0"/>
-              </a:ext>
-            </a:extLst>
-          </a:blip>
-          <a:srcRect/>
-          <a:stretch>
-            <a:fillRect/>
-          </a:stretch>
-        </p:blipFill>
-        <p:spPr bwMode="auto">
-          <a:xfrm>
-            <a:off x="4782157" y="2366996"/>
-            <a:ext cx="451104" cy="451104"/>
-          </a:xfrm>
-          <a:prstGeom prst="rect">
-            <a:avLst/>
-          </a:prstGeom>
-          <a:noFill/>
-          <a:extLst>
-            <a:ext uri="{909E8E84-426E-40DD-AFC4-6F175D3DCCD1}">
-              <a14:hiddenFill xmlns:a14="http://schemas.microsoft.com/office/drawing/2010/main">
-                <a:solidFill>
-                  <a:srgbClr val="FFFFFF"/>
-                </a:solidFill>
-              </a14:hiddenFill>
-            </a:ext>
-          </a:extLst>
-        </p:spPr>
-      </p:pic>
-      <p:cxnSp>
-        <p:nvCxnSpPr>
-          <p:cNvPr id="23" name="Straight Arrow Connector 22">
-            <a:extLst>
-              <a:ext uri="{FF2B5EF4-FFF2-40B4-BE49-F238E27FC236}">
-                <a16:creationId xmlns:a16="http://schemas.microsoft.com/office/drawing/2014/main" id="{97E45BB2-B93E-5BF0-E805-4B37B37CD72E}"/>
-              </a:ext>
-            </a:extLst>
-          </p:cNvPr>
-          <p:cNvCxnSpPr/>
-          <p:nvPr/>
-        </p:nvCxnSpPr>
-        <p:spPr>
-          <a:xfrm>
-            <a:off x="5571067" y="2639893"/>
-            <a:ext cx="778933" cy="0"/>
-          </a:xfrm>
-          <a:prstGeom prst="straightConnector1">
-            <a:avLst/>
-          </a:prstGeom>
-          <a:ln>
-            <a:tailEnd type="triangle"/>
-          </a:ln>
-        </p:spPr>
-        <p:style>
-          <a:lnRef idx="1">
-            <a:schemeClr val="dk1"/>
-          </a:lnRef>
-          <a:fillRef idx="0">
-            <a:schemeClr val="dk1"/>
-          </a:fillRef>
-          <a:effectRef idx="0">
-            <a:schemeClr val="dk1"/>
-          </a:effectRef>
-          <a:fontRef idx="minor">
-            <a:schemeClr val="tx1"/>
-          </a:fontRef>
-        </p:style>
-      </p:cxnSp>
-      <p:sp>
-        <p:nvSpPr>
-          <p:cNvPr id="24" name="TextBox 23">
-            <a:extLst>
-              <a:ext uri="{FF2B5EF4-FFF2-40B4-BE49-F238E27FC236}">
-                <a16:creationId xmlns:a16="http://schemas.microsoft.com/office/drawing/2014/main" id="{442ED6E5-3A7A-76FE-B727-0485C84FF77F}"/>
-              </a:ext>
-            </a:extLst>
-          </p:cNvPr>
-          <p:cNvSpPr txBox="1"/>
-          <p:nvPr/>
-        </p:nvSpPr>
-        <p:spPr>
-          <a:xfrm>
-            <a:off x="6457758" y="2438660"/>
-            <a:ext cx="1302327" cy="307777"/>
-          </a:xfrm>
-          <a:prstGeom prst="rect">
-            <a:avLst/>
-          </a:prstGeom>
-          <a:noFill/>
-        </p:spPr>
-        <p:txBody>
-          <a:bodyPr wrap="square" rtlCol="0">
-            <a:spAutoFit/>
-          </a:bodyPr>
-          <a:lstStyle/>
-          <a:p>
-            <a:r>
-              <a:rPr lang="en-US" dirty="0">
-                <a:latin typeface="Times New Roman" panose="02020603050405020304" pitchFamily="18" charset="0"/>
-                <a:cs typeface="Times New Roman" panose="02020603050405020304" pitchFamily="18" charset="0"/>
-              </a:rPr>
-              <a:t>Output</a:t>
-            </a:r>
-            <a:endParaRPr lang="en-IN" dirty="0">
-              <a:latin typeface="Times New Roman" panose="02020603050405020304" pitchFamily="18" charset="0"/>
-              <a:cs typeface="Times New Roman" panose="02020603050405020304" pitchFamily="18" charset="0"/>
-            </a:endParaRPr>
-          </a:p>
-        </p:txBody>
-      </p:sp>
     </p:spTree>
     <p:extLst>
       <p:ext uri="{BB962C8B-B14F-4D97-AF65-F5344CB8AC3E}">

--- a/Presentation/Team_MTU.pptx
+++ b/Presentation/Team_MTU.pptx
@@ -10536,6 +10536,55 @@
           </a:prstGeom>
         </p:spPr>
       </p:pic>
+      <p:sp>
+        <p:nvSpPr>
+          <p:cNvPr id="2" name="TextBox 1">
+            <a:extLst>
+              <a:ext uri="{FF2B5EF4-FFF2-40B4-BE49-F238E27FC236}">
+                <a16:creationId xmlns:a16="http://schemas.microsoft.com/office/drawing/2014/main" id="{B879514E-A03E-38FA-A5E8-B28010E819EC}"/>
+              </a:ext>
+            </a:extLst>
+          </p:cNvPr>
+          <p:cNvSpPr txBox="1"/>
+          <p:nvPr/>
+        </p:nvSpPr>
+        <p:spPr>
+          <a:xfrm>
+            <a:off x="5768858" y="3602630"/>
+            <a:ext cx="1439463" cy="307777"/>
+          </a:xfrm>
+          <a:prstGeom prst="rect">
+            <a:avLst/>
+          </a:prstGeom>
+        </p:spPr>
+        <p:style>
+          <a:lnRef idx="2">
+            <a:schemeClr val="accent6"/>
+          </a:lnRef>
+          <a:fillRef idx="1">
+            <a:schemeClr val="lt1"/>
+          </a:fillRef>
+          <a:effectRef idx="0">
+            <a:schemeClr val="accent6"/>
+          </a:effectRef>
+          <a:fontRef idx="minor">
+            <a:schemeClr val="dk1"/>
+          </a:fontRef>
+        </p:style>
+        <p:txBody>
+          <a:bodyPr wrap="square" rtlCol="0">
+            <a:spAutoFit/>
+          </a:bodyPr>
+          <a:lstStyle/>
+          <a:p>
+            <a:r>
+              <a:rPr lang="en-US" b="1" dirty="0"/>
+              <a:t>F1 :0.084485</a:t>
+            </a:r>
+            <a:endParaRPr lang="en-IN" b="1" dirty="0"/>
+          </a:p>
+        </p:txBody>
+      </p:sp>
     </p:spTree>
     <p:extLst>
       <p:ext uri="{BB962C8B-B14F-4D97-AF65-F5344CB8AC3E}">
@@ -11186,7 +11235,7 @@
           <p:nvPr>
             <p:extLst>
               <p:ext uri="{D42A27DB-BD31-4B8C-83A1-F6EECF244321}">
-                <p14:modId xmlns:p14="http://schemas.microsoft.com/office/powerpoint/2010/main" val="2659898477"/>
+                <p14:modId xmlns:p14="http://schemas.microsoft.com/office/powerpoint/2010/main" val="2996118884"/>
               </p:ext>
             </p:extLst>
           </p:nvPr>
@@ -11465,7 +11514,10 @@
                     <a:lstStyle/>
                     <a:p>
                       <a:pPr algn="ctr"/>
-                      <a:endParaRPr lang="en-IN" b="0" dirty="0"/>
+                      <a:r>
+                        <a:rPr lang="en-IN" b="0" dirty="0"/>
+                        <a:t>0.084485</a:t>
+                      </a:r>
                     </a:p>
                   </a:txBody>
                   <a:tcPr/>
